--- a/Präsentation Scrum-Projekt.pptx
+++ b/Präsentation Scrum-Projekt.pptx
@@ -8,7 +8,9 @@
     <p:sldId id="256" r:id="rId2"/>
     <p:sldId id="257" r:id="rId3"/>
     <p:sldId id="258" r:id="rId4"/>
-    <p:sldId id="259" r:id="rId5"/>
+    <p:sldId id="260" r:id="rId5"/>
+    <p:sldId id="261" r:id="rId6"/>
+    <p:sldId id="259" r:id="rId7"/>
   </p:sldIdLst>
   <p:sldSz cx="12192000" cy="6858000"/>
   <p:notesSz cx="6858000" cy="9144000"/>
@@ -119,7 +121,7 @@
 <p1510:revInfo xmlns:a="http://schemas.openxmlformats.org/drawingml/2006/main" xmlns:r="http://schemas.openxmlformats.org/officeDocument/2006/relationships" xmlns:p1510="http://schemas.microsoft.com/office/powerpoint/2015/10/main">
   <p1510:revLst>
     <p1510:client id="{04591434-F1A4-4307-A152-1422338EFBDB}" v="1" dt="2024-01-23T21:10:18.451"/>
-    <p1510:client id="{169FF9FB-7C2F-41CA-B4D4-EA8A31B4EFE3}" v="1" dt="2024-01-23T15:14:00.422"/>
+    <p1510:client id="{169FF9FB-7C2F-41CA-B4D4-EA8A31B4EFE3}" v="3" dt="2024-01-24T12:37:02.554"/>
   </p1510:revLst>
 </p1510:revInfo>
 </file>
@@ -128,8 +130,8 @@
 <pc:chgInfo xmlns:a="http://schemas.openxmlformats.org/drawingml/2006/main" xmlns:r="http://schemas.openxmlformats.org/officeDocument/2006/relationships" xmlns:ac="http://schemas.microsoft.com/office/drawing/2013/main/command" xmlns:pc="http://schemas.microsoft.com/office/powerpoint/2013/main/command">
   <pc:docChgLst>
     <pc:chgData name="Moritz Michel" userId="d4a1262a-cfce-468c-9a90-744f82d8c4ea" providerId="ADAL" clId="{169FF9FB-7C2F-41CA-B4D4-EA8A31B4EFE3}"/>
-    <pc:docChg chg="custSel addSld modSld">
-      <pc:chgData name="Moritz Michel" userId="d4a1262a-cfce-468c-9a90-744f82d8c4ea" providerId="ADAL" clId="{169FF9FB-7C2F-41CA-B4D4-EA8A31B4EFE3}" dt="2024-01-23T15:44:42.383" v="132" actId="20577"/>
+    <pc:docChg chg="undo custSel addSld modSld">
+      <pc:chgData name="Moritz Michel" userId="d4a1262a-cfce-468c-9a90-744f82d8c4ea" providerId="ADAL" clId="{169FF9FB-7C2F-41CA-B4D4-EA8A31B4EFE3}" dt="2024-01-24T12:38:40.319" v="905" actId="20577"/>
       <pc:docMkLst>
         <pc:docMk/>
       </pc:docMkLst>
@@ -157,7 +159,7 @@
         </pc:spChg>
       </pc:sldChg>
       <pc:sldChg chg="addSp delSp modSp new mod">
-        <pc:chgData name="Moritz Michel" userId="d4a1262a-cfce-468c-9a90-744f82d8c4ea" providerId="ADAL" clId="{169FF9FB-7C2F-41CA-B4D4-EA8A31B4EFE3}" dt="2024-01-23T15:44:42.383" v="132" actId="20577"/>
+        <pc:chgData name="Moritz Michel" userId="d4a1262a-cfce-468c-9a90-744f82d8c4ea" providerId="ADAL" clId="{169FF9FB-7C2F-41CA-B4D4-EA8A31B4EFE3}" dt="2024-01-24T12:28:45.066" v="313" actId="20577"/>
         <pc:sldMkLst>
           <pc:docMk/>
           <pc:sldMk cId="3142824968" sldId="257"/>
@@ -187,7 +189,7 @@
           </ac:spMkLst>
         </pc:spChg>
         <pc:spChg chg="add mod">
-          <ac:chgData name="Moritz Michel" userId="d4a1262a-cfce-468c-9a90-744f82d8c4ea" providerId="ADAL" clId="{169FF9FB-7C2F-41CA-B4D4-EA8A31B4EFE3}" dt="2024-01-23T15:44:42.383" v="132" actId="20577"/>
+          <ac:chgData name="Moritz Michel" userId="d4a1262a-cfce-468c-9a90-744f82d8c4ea" providerId="ADAL" clId="{169FF9FB-7C2F-41CA-B4D4-EA8A31B4EFE3}" dt="2024-01-24T12:28:45.066" v="313" actId="20577"/>
           <ac:spMkLst>
             <pc:docMk/>
             <pc:sldMk cId="3142824968" sldId="257"/>
@@ -195,33 +197,103 @@
           </ac:spMkLst>
         </pc:spChg>
       </pc:sldChg>
-      <pc:sldChg chg="modSp new mod">
-        <pc:chgData name="Moritz Michel" userId="d4a1262a-cfce-468c-9a90-744f82d8c4ea" providerId="ADAL" clId="{169FF9FB-7C2F-41CA-B4D4-EA8A31B4EFE3}" dt="2024-01-23T15:13:08.630" v="75" actId="20577"/>
+      <pc:sldChg chg="addSp delSp modSp new mod">
+        <pc:chgData name="Moritz Michel" userId="d4a1262a-cfce-468c-9a90-744f82d8c4ea" providerId="ADAL" clId="{169FF9FB-7C2F-41CA-B4D4-EA8A31B4EFE3}" dt="2024-01-24T12:33:49.099" v="743" actId="20577"/>
         <pc:sldMkLst>
           <pc:docMk/>
           <pc:sldMk cId="172823693" sldId="258"/>
         </pc:sldMkLst>
-        <pc:spChg chg="mod">
-          <ac:chgData name="Moritz Michel" userId="d4a1262a-cfce-468c-9a90-744f82d8c4ea" providerId="ADAL" clId="{169FF9FB-7C2F-41CA-B4D4-EA8A31B4EFE3}" dt="2024-01-23T15:13:08.630" v="75" actId="20577"/>
+        <pc:spChg chg="del mod">
+          <ac:chgData name="Moritz Michel" userId="d4a1262a-cfce-468c-9a90-744f82d8c4ea" providerId="ADAL" clId="{169FF9FB-7C2F-41CA-B4D4-EA8A31B4EFE3}" dt="2024-01-24T12:29:20.653" v="315" actId="478"/>
           <ac:spMkLst>
             <pc:docMk/>
             <pc:sldMk cId="172823693" sldId="258"/>
             <ac:spMk id="2" creationId="{9F43B191-90F5-0CF9-14FD-EE16186FBC7B}"/>
           </ac:spMkLst>
         </pc:spChg>
+        <pc:spChg chg="del">
+          <ac:chgData name="Moritz Michel" userId="d4a1262a-cfce-468c-9a90-744f82d8c4ea" providerId="ADAL" clId="{169FF9FB-7C2F-41CA-B4D4-EA8A31B4EFE3}" dt="2024-01-24T12:29:23.123" v="316" actId="478"/>
+          <ac:spMkLst>
+            <pc:docMk/>
+            <pc:sldMk cId="172823693" sldId="258"/>
+            <ac:spMk id="3" creationId="{EF0F3D64-4738-8744-1572-B187E7399A7D}"/>
+          </ac:spMkLst>
+        </pc:spChg>
+        <pc:spChg chg="add mod">
+          <ac:chgData name="Moritz Michel" userId="d4a1262a-cfce-468c-9a90-744f82d8c4ea" providerId="ADAL" clId="{169FF9FB-7C2F-41CA-B4D4-EA8A31B4EFE3}" dt="2024-01-24T12:33:49.099" v="743" actId="20577"/>
+          <ac:spMkLst>
+            <pc:docMk/>
+            <pc:sldMk cId="172823693" sldId="258"/>
+            <ac:spMk id="4" creationId="{28E47B62-19B2-2CCE-10F8-D97F3201F8EC}"/>
+          </ac:spMkLst>
+        </pc:spChg>
       </pc:sldChg>
-      <pc:sldChg chg="modSp new mod">
-        <pc:chgData name="Moritz Michel" userId="d4a1262a-cfce-468c-9a90-744f82d8c4ea" providerId="ADAL" clId="{169FF9FB-7C2F-41CA-B4D4-EA8A31B4EFE3}" dt="2024-01-23T15:13:15.061" v="84" actId="20577"/>
+      <pc:sldChg chg="delSp modSp new mod">
+        <pc:chgData name="Moritz Michel" userId="d4a1262a-cfce-468c-9a90-744f82d8c4ea" providerId="ADAL" clId="{169FF9FB-7C2F-41CA-B4D4-EA8A31B4EFE3}" dt="2024-01-24T12:27:40.166" v="142" actId="478"/>
         <pc:sldMkLst>
           <pc:docMk/>
           <pc:sldMk cId="1478272952" sldId="259"/>
         </pc:sldMkLst>
         <pc:spChg chg="mod">
-          <ac:chgData name="Moritz Michel" userId="d4a1262a-cfce-468c-9a90-744f82d8c4ea" providerId="ADAL" clId="{169FF9FB-7C2F-41CA-B4D4-EA8A31B4EFE3}" dt="2024-01-23T15:13:15.061" v="84" actId="20577"/>
+          <ac:chgData name="Moritz Michel" userId="d4a1262a-cfce-468c-9a90-744f82d8c4ea" providerId="ADAL" clId="{169FF9FB-7C2F-41CA-B4D4-EA8A31B4EFE3}" dt="2024-01-24T12:27:36.989" v="141" actId="20577"/>
           <ac:spMkLst>
             <pc:docMk/>
             <pc:sldMk cId="1478272952" sldId="259"/>
             <ac:spMk id="2" creationId="{9EB688A9-B1D0-F39F-4161-CE34D7566640}"/>
+          </ac:spMkLst>
+        </pc:spChg>
+        <pc:spChg chg="del">
+          <ac:chgData name="Moritz Michel" userId="d4a1262a-cfce-468c-9a90-744f82d8c4ea" providerId="ADAL" clId="{169FF9FB-7C2F-41CA-B4D4-EA8A31B4EFE3}" dt="2024-01-24T12:27:40.166" v="142" actId="478"/>
+          <ac:spMkLst>
+            <pc:docMk/>
+            <pc:sldMk cId="1478272952" sldId="259"/>
+            <ac:spMk id="3" creationId="{03D96895-700B-B67E-85CC-86870F2A67BD}"/>
+          </ac:spMkLst>
+        </pc:spChg>
+      </pc:sldChg>
+      <pc:sldChg chg="addSp delSp modSp new mod">
+        <pc:chgData name="Moritz Michel" userId="d4a1262a-cfce-468c-9a90-744f82d8c4ea" providerId="ADAL" clId="{169FF9FB-7C2F-41CA-B4D4-EA8A31B4EFE3}" dt="2024-01-24T12:38:07.115" v="879" actId="20577"/>
+        <pc:sldMkLst>
+          <pc:docMk/>
+          <pc:sldMk cId="2100115915" sldId="260"/>
+        </pc:sldMkLst>
+        <pc:spChg chg="del">
+          <ac:chgData name="Moritz Michel" userId="d4a1262a-cfce-468c-9a90-744f82d8c4ea" providerId="ADAL" clId="{169FF9FB-7C2F-41CA-B4D4-EA8A31B4EFE3}" dt="2024-01-24T12:36:53.484" v="745" actId="478"/>
+          <ac:spMkLst>
+            <pc:docMk/>
+            <pc:sldMk cId="2100115915" sldId="260"/>
+            <ac:spMk id="2" creationId="{7E31F12A-E2A1-1E94-8C71-057A8FC108F2}"/>
+          </ac:spMkLst>
+        </pc:spChg>
+        <pc:spChg chg="del">
+          <ac:chgData name="Moritz Michel" userId="d4a1262a-cfce-468c-9a90-744f82d8c4ea" providerId="ADAL" clId="{169FF9FB-7C2F-41CA-B4D4-EA8A31B4EFE3}" dt="2024-01-24T12:36:55.418" v="746" actId="478"/>
+          <ac:spMkLst>
+            <pc:docMk/>
+            <pc:sldMk cId="2100115915" sldId="260"/>
+            <ac:spMk id="3" creationId="{E2EB0496-E015-0989-8EA1-B9D189994E0B}"/>
+          </ac:spMkLst>
+        </pc:spChg>
+        <pc:spChg chg="add mod">
+          <ac:chgData name="Moritz Michel" userId="d4a1262a-cfce-468c-9a90-744f82d8c4ea" providerId="ADAL" clId="{169FF9FB-7C2F-41CA-B4D4-EA8A31B4EFE3}" dt="2024-01-24T12:38:07.115" v="879" actId="20577"/>
+          <ac:spMkLst>
+            <pc:docMk/>
+            <pc:sldMk cId="2100115915" sldId="260"/>
+            <ac:spMk id="4" creationId="{3E1FB75A-5268-D5EA-401C-07EA4EACA8FC}"/>
+          </ac:spMkLst>
+        </pc:spChg>
+      </pc:sldChg>
+      <pc:sldChg chg="modSp add mod">
+        <pc:chgData name="Moritz Michel" userId="d4a1262a-cfce-468c-9a90-744f82d8c4ea" providerId="ADAL" clId="{169FF9FB-7C2F-41CA-B4D4-EA8A31B4EFE3}" dt="2024-01-24T12:38:40.319" v="905" actId="20577"/>
+        <pc:sldMkLst>
+          <pc:docMk/>
+          <pc:sldMk cId="1950927261" sldId="261"/>
+        </pc:sldMkLst>
+        <pc:spChg chg="mod">
+          <ac:chgData name="Moritz Michel" userId="d4a1262a-cfce-468c-9a90-744f82d8c4ea" providerId="ADAL" clId="{169FF9FB-7C2F-41CA-B4D4-EA8A31B4EFE3}" dt="2024-01-24T12:38:40.319" v="905" actId="20577"/>
+          <ac:spMkLst>
+            <pc:docMk/>
+            <pc:sldMk cId="1950927261" sldId="261"/>
+            <ac:spMk id="4" creationId="{3E1FB75A-5268-D5EA-401C-07EA4EACA8FC}"/>
           </ac:spMkLst>
         </pc:spChg>
       </pc:sldChg>
@@ -850,7 +922,7 @@
         <p:spPr>
           <a:xfrm>
             <a:off x="795528" y="731520"/>
-            <a:ext cx="10600944" cy="1600438"/>
+            <a:ext cx="10600944" cy="3447098"/>
           </a:xfrm>
           <a:prstGeom prst="rect">
             <a:avLst/>
@@ -865,14 +937,35 @@
           <a:p>
             <a:r>
               <a:rPr lang="de-DE" sz="4000" dirty="0"/>
-              <a:t>Sprint 1:</a:t>
-            </a:r>
-          </a:p>
-          <a:p>
-            <a:r>
-              <a:rPr lang="de-DE" sz="4000" dirty="0"/>
-              <a:t>- </a:t>
-            </a:r>
+              <a:t>Vorstellung Produkt:</a:t>
+            </a:r>
+          </a:p>
+          <a:p>
+            <a:pPr marL="571500" indent="-571500">
+              <a:buFontTx/>
+              <a:buChar char="-"/>
+            </a:pPr>
+            <a:r>
+              <a:rPr lang="de-DE" sz="4000" dirty="0"/>
+              <a:t>Webseite, um Noten einzutragen</a:t>
+            </a:r>
+          </a:p>
+          <a:p>
+            <a:pPr marL="571500" indent="-571500">
+              <a:buFontTx/>
+              <a:buChar char="-"/>
+            </a:pPr>
+            <a:r>
+              <a:rPr lang="de-DE" sz="4000" dirty="0"/>
+              <a:t>Man kann die Webseite ganz einfach erweitern um andere Infos anzuzeigen</a:t>
+            </a:r>
+          </a:p>
+          <a:p>
+            <a:pPr marL="571500" indent="-571500">
+              <a:buFontTx/>
+              <a:buChar char="-"/>
+            </a:pPr>
+            <a:endParaRPr lang="de-DE" sz="4000" dirty="0"/>
           </a:p>
           <a:p>
             <a:endParaRPr lang="de-DE" dirty="0"/>
@@ -911,54 +1004,109 @@
       </p:grpSpPr>
       <p:sp>
         <p:nvSpPr>
-          <p:cNvPr id="2" name="Titel 1">
+          <p:cNvPr id="4" name="Textfeld 3">
             <a:extLst>
               <a:ext uri="{FF2B5EF4-FFF2-40B4-BE49-F238E27FC236}">
-                <a16:creationId xmlns:a16="http://schemas.microsoft.com/office/drawing/2014/main" id="{9F43B191-90F5-0CF9-14FD-EE16186FBC7B}"/>
+                <a16:creationId xmlns:a16="http://schemas.microsoft.com/office/drawing/2014/main" id="{28E47B62-19B2-2CCE-10F8-D97F3201F8EC}"/>
               </a:ext>
             </a:extLst>
           </p:cNvPr>
-          <p:cNvSpPr>
-            <a:spLocks noGrp="1"/>
-          </p:cNvSpPr>
-          <p:nvPr>
-            <p:ph type="ctrTitle"/>
-          </p:nvPr>
+          <p:cNvSpPr txBox="1"/>
+          <p:nvPr/>
         </p:nvSpPr>
-        <p:spPr/>
+        <p:spPr>
+          <a:xfrm>
+            <a:off x="795528" y="731520"/>
+            <a:ext cx="10600944" cy="4062651"/>
+          </a:xfrm>
+          <a:prstGeom prst="rect">
+            <a:avLst/>
+          </a:prstGeom>
+          <a:noFill/>
+        </p:spPr>
         <p:txBody>
-          <a:bodyPr/>
+          <a:bodyPr wrap="square" rtlCol="0">
+            <a:spAutoFit/>
+          </a:bodyPr>
           <a:lstStyle/>
           <a:p>
             <a:r>
-              <a:rPr lang="de-DE" dirty="0"/>
-              <a:t>Sprint 2</a:t>
-            </a:r>
-          </a:p>
-        </p:txBody>
-      </p:sp>
-      <p:sp>
-        <p:nvSpPr>
-          <p:cNvPr id="3" name="Untertitel 2">
-            <a:extLst>
-              <a:ext uri="{FF2B5EF4-FFF2-40B4-BE49-F238E27FC236}">
-                <a16:creationId xmlns:a16="http://schemas.microsoft.com/office/drawing/2014/main" id="{EF0F3D64-4738-8744-1572-B187E7399A7D}"/>
-              </a:ext>
-            </a:extLst>
-          </p:cNvPr>
-          <p:cNvSpPr>
-            <a:spLocks noGrp="1"/>
-          </p:cNvSpPr>
-          <p:nvPr>
-            <p:ph type="subTitle" idx="1"/>
-          </p:nvPr>
-        </p:nvSpPr>
-        <p:spPr/>
-        <p:txBody>
-          <a:bodyPr/>
-          <a:lstStyle/>
-          <a:p>
-            <a:endParaRPr lang="de-DE"/>
+              <a:rPr lang="de-DE" sz="4000" dirty="0"/>
+              <a:t>Architektur:</a:t>
+            </a:r>
+          </a:p>
+          <a:p>
+            <a:pPr marL="571500" indent="-571500">
+              <a:buFontTx/>
+              <a:buChar char="-"/>
+            </a:pPr>
+            <a:r>
+              <a:rPr lang="de-DE" sz="4000" dirty="0"/>
+              <a:t>Frontend: HTML, CSS und JS mit Bootstrap </a:t>
+            </a:r>
+          </a:p>
+          <a:p>
+            <a:pPr marL="571500" indent="-571500">
+              <a:buFontTx/>
+              <a:buChar char="-"/>
+            </a:pPr>
+            <a:r>
+              <a:rPr lang="de-DE" sz="4000" dirty="0"/>
+              <a:t>Backend: </a:t>
+            </a:r>
+            <a:r>
+              <a:rPr lang="de-DE" sz="4000" dirty="0" err="1"/>
+              <a:t>NodeJS</a:t>
+            </a:r>
+            <a:r>
+              <a:rPr lang="de-DE" sz="4000" dirty="0"/>
+              <a:t> mit Express Framework</a:t>
+            </a:r>
+          </a:p>
+          <a:p>
+            <a:pPr marL="571500" indent="-571500">
+              <a:buFontTx/>
+              <a:buChar char="-"/>
+            </a:pPr>
+            <a:r>
+              <a:rPr lang="de-DE" sz="4000" dirty="0"/>
+              <a:t>Datenbank: MongoDB</a:t>
+            </a:r>
+          </a:p>
+          <a:p>
+            <a:pPr marL="571500" indent="-571500">
+              <a:buFontTx/>
+              <a:buChar char="-"/>
+            </a:pPr>
+            <a:r>
+              <a:rPr lang="de-DE" sz="4000" dirty="0"/>
+              <a:t>Umgebung: Docker</a:t>
+            </a:r>
+          </a:p>
+          <a:p>
+            <a:pPr marL="571500" indent="-571500">
+              <a:buFontTx/>
+              <a:buChar char="-"/>
+            </a:pPr>
+            <a:r>
+              <a:rPr lang="de-DE" sz="4000" dirty="0" err="1"/>
+              <a:t>Git</a:t>
+            </a:r>
+            <a:r>
+              <a:rPr lang="de-DE" sz="4000" dirty="0"/>
+              <a:t> und </a:t>
+            </a:r>
+            <a:r>
+              <a:rPr lang="de-DE" sz="4000" dirty="0" err="1"/>
+              <a:t>Github</a:t>
+            </a:r>
+            <a:r>
+              <a:rPr lang="de-DE" sz="4000" dirty="0"/>
+              <a:t> als Softwareverwaltungssystem</a:t>
+            </a:r>
+          </a:p>
+          <a:p>
+            <a:endParaRPr lang="de-DE" dirty="0"/>
           </a:p>
         </p:txBody>
       </p:sp>
@@ -976,6 +1124,213 @@
 </file>
 
 <file path=ppt/slides/slide4.xml><?xml version="1.0" encoding="utf-8"?>
+<p:sld xmlns:a="http://schemas.openxmlformats.org/drawingml/2006/main" xmlns:r="http://schemas.openxmlformats.org/officeDocument/2006/relationships" xmlns:p="http://schemas.openxmlformats.org/presentationml/2006/main">
+  <p:cSld>
+    <p:spTree>
+      <p:nvGrpSpPr>
+        <p:cNvPr id="1" name=""/>
+        <p:cNvGrpSpPr/>
+        <p:nvPr/>
+      </p:nvGrpSpPr>
+      <p:grpSpPr>
+        <a:xfrm>
+          <a:off x="0" y="0"/>
+          <a:ext cx="0" cy="0"/>
+          <a:chOff x="0" y="0"/>
+          <a:chExt cx="0" cy="0"/>
+        </a:xfrm>
+      </p:grpSpPr>
+      <p:sp>
+        <p:nvSpPr>
+          <p:cNvPr id="4" name="Textfeld 3">
+            <a:extLst>
+              <a:ext uri="{FF2B5EF4-FFF2-40B4-BE49-F238E27FC236}">
+                <a16:creationId xmlns:a16="http://schemas.microsoft.com/office/drawing/2014/main" id="{3E1FB75A-5268-D5EA-401C-07EA4EACA8FC}"/>
+              </a:ext>
+            </a:extLst>
+          </p:cNvPr>
+          <p:cNvSpPr txBox="1"/>
+          <p:nvPr/>
+        </p:nvSpPr>
+        <p:spPr>
+          <a:xfrm>
+            <a:off x="795528" y="731520"/>
+            <a:ext cx="10600944" cy="3447098"/>
+          </a:xfrm>
+          <a:prstGeom prst="rect">
+            <a:avLst/>
+          </a:prstGeom>
+          <a:noFill/>
+        </p:spPr>
+        <p:txBody>
+          <a:bodyPr wrap="square" rtlCol="0">
+            <a:spAutoFit/>
+          </a:bodyPr>
+          <a:lstStyle/>
+          <a:p>
+            <a:r>
+              <a:rPr lang="de-DE" sz="4000" dirty="0"/>
+              <a:t>SCRUM – Erfahrung:</a:t>
+            </a:r>
+          </a:p>
+          <a:p>
+            <a:pPr marL="571500" indent="-571500">
+              <a:buFontTx/>
+              <a:buChar char="-"/>
+            </a:pPr>
+            <a:r>
+              <a:rPr lang="de-DE" sz="4000" dirty="0"/>
+              <a:t>Die Zusammenarbeit ging gut</a:t>
+            </a:r>
+          </a:p>
+          <a:p>
+            <a:pPr marL="571500" indent="-571500">
+              <a:buFontTx/>
+              <a:buChar char="-"/>
+            </a:pPr>
+            <a:r>
+              <a:rPr lang="de-DE" sz="4000" dirty="0"/>
+              <a:t>Die </a:t>
+            </a:r>
+            <a:r>
+              <a:rPr lang="de-DE" sz="4000" dirty="0" err="1"/>
+              <a:t>Scrum</a:t>
+            </a:r>
+            <a:r>
+              <a:rPr lang="de-DE" sz="4000" dirty="0"/>
+              <a:t> Rollen waren klar, weil wir nur zu zweit waren</a:t>
+            </a:r>
+          </a:p>
+          <a:p>
+            <a:pPr marL="571500" indent="-571500">
+              <a:buFontTx/>
+              <a:buChar char="-"/>
+            </a:pPr>
+            <a:endParaRPr lang="de-DE" sz="4000" dirty="0"/>
+          </a:p>
+          <a:p>
+            <a:endParaRPr lang="de-DE" dirty="0"/>
+          </a:p>
+        </p:txBody>
+      </p:sp>
+    </p:spTree>
+    <p:extLst>
+      <p:ext uri="{BB962C8B-B14F-4D97-AF65-F5344CB8AC3E}">
+        <p14:creationId xmlns:p14="http://schemas.microsoft.com/office/powerpoint/2010/main" val="2100115915"/>
+      </p:ext>
+    </p:extLst>
+  </p:cSld>
+  <p:clrMapOvr>
+    <a:masterClrMapping/>
+  </p:clrMapOvr>
+</p:sld>
+</file>
+
+<file path=ppt/slides/slide5.xml><?xml version="1.0" encoding="utf-8"?>
+<p:sld xmlns:a="http://schemas.openxmlformats.org/drawingml/2006/main" xmlns:r="http://schemas.openxmlformats.org/officeDocument/2006/relationships" xmlns:p="http://schemas.openxmlformats.org/presentationml/2006/main">
+  <p:cSld>
+    <p:spTree>
+      <p:nvGrpSpPr>
+        <p:cNvPr id="1" name=""/>
+        <p:cNvGrpSpPr/>
+        <p:nvPr/>
+      </p:nvGrpSpPr>
+      <p:grpSpPr>
+        <a:xfrm>
+          <a:off x="0" y="0"/>
+          <a:ext cx="0" cy="0"/>
+          <a:chOff x="0" y="0"/>
+          <a:chExt cx="0" cy="0"/>
+        </a:xfrm>
+      </p:grpSpPr>
+      <p:sp>
+        <p:nvSpPr>
+          <p:cNvPr id="4" name="Textfeld 3">
+            <a:extLst>
+              <a:ext uri="{FF2B5EF4-FFF2-40B4-BE49-F238E27FC236}">
+                <a16:creationId xmlns:a16="http://schemas.microsoft.com/office/drawing/2014/main" id="{3E1FB75A-5268-D5EA-401C-07EA4EACA8FC}"/>
+              </a:ext>
+            </a:extLst>
+          </p:cNvPr>
+          <p:cNvSpPr txBox="1"/>
+          <p:nvPr/>
+        </p:nvSpPr>
+        <p:spPr>
+          <a:xfrm>
+            <a:off x="795528" y="731520"/>
+            <a:ext cx="10600944" cy="3447098"/>
+          </a:xfrm>
+          <a:prstGeom prst="rect">
+            <a:avLst/>
+          </a:prstGeom>
+          <a:noFill/>
+        </p:spPr>
+        <p:txBody>
+          <a:bodyPr wrap="square" rtlCol="0">
+            <a:spAutoFit/>
+          </a:bodyPr>
+          <a:lstStyle/>
+          <a:p>
+            <a:r>
+              <a:rPr lang="de-DE" sz="4000" dirty="0"/>
+              <a:t>SCRUM – Tool:</a:t>
+            </a:r>
+          </a:p>
+          <a:p>
+            <a:pPr marL="571500" indent="-571500">
+              <a:buFontTx/>
+              <a:buChar char="-"/>
+            </a:pPr>
+            <a:r>
+              <a:rPr lang="de-DE" sz="4000"/>
+              <a:t>Als Tool haben </a:t>
+            </a:r>
+            <a:endParaRPr lang="de-DE" sz="4000" dirty="0"/>
+          </a:p>
+          <a:p>
+            <a:pPr marL="571500" indent="-571500">
+              <a:buFontTx/>
+              <a:buChar char="-"/>
+            </a:pPr>
+            <a:r>
+              <a:rPr lang="de-DE" sz="4000" dirty="0"/>
+              <a:t>Die </a:t>
+            </a:r>
+            <a:r>
+              <a:rPr lang="de-DE" sz="4000" dirty="0" err="1"/>
+              <a:t>Scrum</a:t>
+            </a:r>
+            <a:r>
+              <a:rPr lang="de-DE" sz="4000" dirty="0"/>
+              <a:t> Rollen waren klar, weil wir nur zu zweit waren</a:t>
+            </a:r>
+          </a:p>
+          <a:p>
+            <a:pPr marL="571500" indent="-571500">
+              <a:buFontTx/>
+              <a:buChar char="-"/>
+            </a:pPr>
+            <a:endParaRPr lang="de-DE" sz="4000" dirty="0"/>
+          </a:p>
+          <a:p>
+            <a:endParaRPr lang="de-DE" dirty="0"/>
+          </a:p>
+        </p:txBody>
+      </p:sp>
+    </p:spTree>
+    <p:extLst>
+      <p:ext uri="{BB962C8B-B14F-4D97-AF65-F5344CB8AC3E}">
+        <p14:creationId xmlns:p14="http://schemas.microsoft.com/office/powerpoint/2010/main" val="1950927261"/>
+      </p:ext>
+    </p:extLst>
+  </p:cSld>
+  <p:clrMapOvr>
+    <a:masterClrMapping/>
+  </p:clrMapOvr>
+</p:sld>
+</file>
+
+<file path=ppt/slides/slide6.xml><?xml version="1.0" encoding="utf-8"?>
 <p:sld xmlns:a="http://schemas.openxmlformats.org/drawingml/2006/main" xmlns:r="http://schemas.openxmlformats.org/officeDocument/2006/relationships" xmlns:p="http://schemas.openxmlformats.org/presentationml/2006/main">
   <p:cSld>
     <p:spTree>
@@ -1015,33 +1370,8 @@
           <a:p>
             <a:r>
               <a:rPr lang="de-DE" dirty="0"/>
-              <a:t>Sprint 3</a:t>
-            </a:r>
-          </a:p>
-        </p:txBody>
-      </p:sp>
-      <p:sp>
-        <p:nvSpPr>
-          <p:cNvPr id="3" name="Untertitel 2">
-            <a:extLst>
-              <a:ext uri="{FF2B5EF4-FFF2-40B4-BE49-F238E27FC236}">
-                <a16:creationId xmlns:a16="http://schemas.microsoft.com/office/drawing/2014/main" id="{03D96895-700B-B67E-85CC-86870F2A67BD}"/>
-              </a:ext>
-            </a:extLst>
-          </p:cNvPr>
-          <p:cNvSpPr>
-            <a:spLocks noGrp="1"/>
-          </p:cNvSpPr>
-          <p:nvPr>
-            <p:ph type="subTitle" idx="1"/>
-          </p:nvPr>
-        </p:nvSpPr>
-        <p:spPr/>
-        <p:txBody>
-          <a:bodyPr/>
-          <a:lstStyle/>
-          <a:p>
-            <a:endParaRPr lang="de-DE" dirty="0"/>
+              <a:t>Demo</a:t>
+            </a:r>
           </a:p>
         </p:txBody>
       </p:sp>
